--- a/fuentes/contenidos/grado10/guion16/Mapas_CN_10_16/CN_10_16lacinetica.pptx
+++ b/fuentes/contenidos/grado10/guion16/Mapas_CN_10_16/CN_10_16lacinetica.pptx
@@ -135,29 +135,6 @@
 </p:cmAuthorLst>
 </file>
 
-<file path=ppt/comments/comment1.xml><?xml version="1.0" encoding="utf-8"?>
-<p:cmLst xmlns:a="http://schemas.openxmlformats.org/drawingml/2006/main" xmlns:r="http://schemas.openxmlformats.org/officeDocument/2006/relationships" xmlns:p="http://schemas.openxmlformats.org/presentationml/2006/main">
-  <p:cm authorId="1" dt="2016-07-17T17:08:52.843" idx="5">
-    <p:pos x="1811" y="351"/>
-    <p:text>Incluir artículo  "la"</p:text>
-    <p:extLst>
-      <p:ext uri="{C676402C-5697-4E1C-873F-D02D1690AC5C}">
-        <p15:threadingInfo xmlns:p15="http://schemas.microsoft.com/office/powerpoint/2012/main" timeZoneBias="300"/>
-      </p:ext>
-    </p:extLst>
-  </p:cm>
-  <p:cm authorId="1" dt="2016-07-17T17:09:12.368" idx="6">
-    <p:pos x="4026" y="318"/>
-    <p:text>Incluir artículo "el"</p:text>
-    <p:extLst>
-      <p:ext uri="{C676402C-5697-4E1C-873F-D02D1690AC5C}">
-        <p15:threadingInfo xmlns:p15="http://schemas.microsoft.com/office/powerpoint/2012/main" timeZoneBias="300"/>
-      </p:ext>
-    </p:extLst>
-  </p:cm>
-</p:cmLst>
-</file>
-
 <file path=ppt/slideLayouts/slideLayout1.xml><?xml version="1.0" encoding="utf-8"?>
 <p:sldLayout xmlns:a="http://schemas.openxmlformats.org/drawingml/2006/main" xmlns:r="http://schemas.openxmlformats.org/officeDocument/2006/relationships" xmlns:p="http://schemas.openxmlformats.org/presentationml/2006/main" preserve="1" userDrawn="1">
   <p:cSld name="Diapositiva de título">
@@ -185,13 +162,6 @@
   <p:clrMapOvr>
     <a:masterClrMapping/>
   </p:clrMapOvr>
-  <p:timing>
-    <p:tnLst>
-      <p:par>
-        <p:cTn id="1" dur="indefinite" restart="never" nodeType="tmRoot"/>
-      </p:par>
-    </p:tnLst>
-  </p:timing>
 </p:sldLayout>
 </file>
 
@@ -222,13 +192,6 @@
   <p:clrMapOvr>
     <a:masterClrMapping/>
   </p:clrMapOvr>
-  <p:timing>
-    <p:tnLst>
-      <p:par>
-        <p:cTn id="1" dur="indefinite" restart="never" nodeType="tmRoot"/>
-      </p:par>
-    </p:tnLst>
-  </p:timing>
 </p:sldLayout>
 </file>
 
@@ -259,13 +222,6 @@
   <p:clrMapOvr>
     <a:masterClrMapping/>
   </p:clrMapOvr>
-  <p:timing>
-    <p:tnLst>
-      <p:par>
-        <p:cTn id="1" dur="indefinite" restart="never" nodeType="tmRoot"/>
-      </p:par>
-    </p:tnLst>
-  </p:timing>
 </p:sldLayout>
 </file>
 
@@ -296,13 +252,6 @@
   <p:clrMapOvr>
     <a:masterClrMapping/>
   </p:clrMapOvr>
-  <p:timing>
-    <p:tnLst>
-      <p:par>
-        <p:cTn id="1" dur="indefinite" restart="never" nodeType="tmRoot"/>
-      </p:par>
-    </p:tnLst>
-  </p:timing>
 </p:sldLayout>
 </file>
 
@@ -333,13 +282,6 @@
   <p:clrMapOvr>
     <a:masterClrMapping/>
   </p:clrMapOvr>
-  <p:timing>
-    <p:tnLst>
-      <p:par>
-        <p:cTn id="1" dur="indefinite" restart="never" nodeType="tmRoot"/>
-      </p:par>
-    </p:tnLst>
-  </p:timing>
 </p:sldLayout>
 </file>
 
@@ -370,13 +312,6 @@
   <p:clrMapOvr>
     <a:masterClrMapping/>
   </p:clrMapOvr>
-  <p:timing>
-    <p:tnLst>
-      <p:par>
-        <p:cTn id="1" dur="indefinite" restart="never" nodeType="tmRoot"/>
-      </p:par>
-    </p:tnLst>
-  </p:timing>
 </p:sldLayout>
 </file>
 
@@ -407,13 +342,6 @@
   <p:clrMapOvr>
     <a:masterClrMapping/>
   </p:clrMapOvr>
-  <p:timing>
-    <p:tnLst>
-      <p:par>
-        <p:cTn id="1" dur="indefinite" restart="never" nodeType="tmRoot"/>
-      </p:par>
-    </p:tnLst>
-  </p:timing>
 </p:sldLayout>
 </file>
 
@@ -444,13 +372,6 @@
   <p:clrMapOvr>
     <a:masterClrMapping/>
   </p:clrMapOvr>
-  <p:timing>
-    <p:tnLst>
-      <p:par>
-        <p:cTn id="1" dur="indefinite" restart="never" nodeType="tmRoot"/>
-      </p:par>
-    </p:tnLst>
-  </p:timing>
 </p:sldLayout>
 </file>
 
@@ -496,7 +417,7 @@
           <a:p>
             <a:fld id="{5001C876-01F7-4317-94B9-1AE222133113}" type="datetimeFigureOut">
               <a:rPr lang="es-ES" smtClean="0"/>
-              <a:t>17/07/2016</a:t>
+              <a:t>18/07/2016</a:t>
             </a:fld>
             <a:endParaRPr lang="es-ES"/>
           </a:p>
@@ -570,13 +491,6 @@
   <p:clrMapOvr>
     <a:masterClrMapping/>
   </p:clrMapOvr>
-  <p:timing>
-    <p:tnLst>
-      <p:par>
-        <p:cTn id="1" dur="indefinite" restart="never" nodeType="tmRoot"/>
-      </p:par>
-    </p:tnLst>
-  </p:timing>
 </p:sldLayout>
 </file>
 
@@ -607,13 +521,6 @@
   <p:clrMapOvr>
     <a:masterClrMapping/>
   </p:clrMapOvr>
-  <p:timing>
-    <p:tnLst>
-      <p:par>
-        <p:cTn id="1" dur="indefinite" restart="never" nodeType="tmRoot"/>
-      </p:par>
-    </p:tnLst>
-  </p:timing>
 </p:sldLayout>
 </file>
 
@@ -644,13 +551,6 @@
   <p:clrMapOvr>
     <a:masterClrMapping/>
   </p:clrMapOvr>
-  <p:timing>
-    <p:tnLst>
-      <p:par>
-        <p:cTn id="1" dur="indefinite" restart="never" nodeType="tmRoot"/>
-      </p:par>
-    </p:tnLst>
-  </p:timing>
 </p:sldLayout>
 </file>
 
@@ -699,10 +599,9 @@
           <a:lstStyle/>
           <a:p>
             <a:r>
-              <a:rPr lang="es-ES" sz="1200" dirty="0" smtClean="0"/>
-              <a:t>© Editorial Planeta Colombiana S.A., 2015.</a:t>
+              <a:rPr lang="es-ES" sz="1200" dirty="0"/>
+              <a:t>© Editorial Planeta Colombiana S.A., 2016.</a:t>
             </a:r>
-            <a:endParaRPr lang="es-ES" sz="1200" dirty="0"/>
           </a:p>
         </p:txBody>
       </p:sp>
@@ -757,13 +656,6 @@
     <p:sldLayoutId id="2147483670" r:id="rId10"/>
     <p:sldLayoutId id="2147483671" r:id="rId11"/>
   </p:sldLayoutIdLst>
-  <p:timing>
-    <p:tnLst>
-      <p:par>
-        <p:cTn id="1" dur="indefinite" restart="never" nodeType="tmRoot"/>
-      </p:par>
-    </p:tnLst>
-  </p:timing>
   <p:txStyles>
     <p:titleStyle>
       <a:lvl1pPr algn="l" defTabSz="914400" rtl="0" eaLnBrk="1" latinLnBrk="0" hangingPunct="1">
@@ -1133,7 +1025,7 @@
               <a:defRPr/>
             </a:pPr>
             <a:r>
-              <a:rPr kumimoji="0" lang="es-CO" sz="900" b="0" i="0" u="none" strike="noStrike" kern="0" cap="none" spc="0" normalizeH="0" baseline="0" noProof="0" dirty="0" smtClean="0">
+              <a:rPr kumimoji="0" lang="es-CO" sz="900" b="0" i="0" u="none" strike="noStrike" kern="0" cap="none" spc="0" normalizeH="0" baseline="0" noProof="0" dirty="0">
                 <a:ln>
                   <a:noFill/>
                 </a:ln>
@@ -1146,17 +1038,6 @@
               </a:rPr>
               <a:t>puede presentarse en medio</a:t>
             </a:r>
-            <a:endParaRPr kumimoji="0" lang="es-CO" sz="900" b="0" i="0" u="none" strike="noStrike" kern="0" cap="none" spc="0" normalizeH="0" baseline="0" noProof="0" dirty="0">
-              <a:ln>
-                <a:noFill/>
-              </a:ln>
-              <a:solidFill>
-                <a:prstClr val="black"/>
-              </a:solidFill>
-              <a:effectLst/>
-              <a:uLnTx/>
-              <a:uFillTx/>
-            </a:endParaRPr>
           </a:p>
         </p:txBody>
       </p:sp>
@@ -1199,7 +1080,7 @@
               <a:defRPr/>
             </a:pPr>
             <a:r>
-              <a:rPr kumimoji="0" lang="es-CO" sz="900" b="0" i="0" u="none" strike="noStrike" kern="0" cap="none" spc="0" normalizeH="0" baseline="0" noProof="0" dirty="0" smtClean="0">
+              <a:rPr kumimoji="0" lang="es-CO" sz="900" b="0" i="0" u="none" strike="noStrike" kern="0" cap="none" spc="0" normalizeH="0" baseline="0" noProof="0" dirty="0">
                 <a:ln>
                   <a:noFill/>
                 </a:ln>
@@ -1212,17 +1093,6 @@
               </a:rPr>
               <a:t>en un </a:t>
             </a:r>
-            <a:endParaRPr kumimoji="0" lang="es-CO" sz="900" b="0" i="0" u="none" strike="noStrike" kern="0" cap="none" spc="0" normalizeH="0" baseline="0" noProof="0" dirty="0">
-              <a:ln>
-                <a:noFill/>
-              </a:ln>
-              <a:solidFill>
-                <a:prstClr val="black"/>
-              </a:solidFill>
-              <a:effectLst/>
-              <a:uLnTx/>
-              <a:uFillTx/>
-            </a:endParaRPr>
           </a:p>
         </p:txBody>
       </p:sp>
@@ -1325,7 +1195,7 @@
               <a:defRPr/>
             </a:pPr>
             <a:r>
-              <a:rPr kumimoji="0" lang="es-CO" sz="900" b="0" i="0" u="none" strike="noStrike" kern="0" cap="none" spc="0" normalizeH="0" baseline="0" noProof="0" dirty="0" smtClean="0">
+              <a:rPr kumimoji="0" lang="es-CO" sz="900" b="0" i="0" u="none" strike="noStrike" kern="0" cap="none" spc="0" normalizeH="0" baseline="0" noProof="0" dirty="0">
                 <a:ln>
                   <a:noFill/>
                 </a:ln>
@@ -1592,7 +1462,7 @@
               <a:defRPr/>
             </a:pPr>
             <a:r>
-              <a:rPr kumimoji="0" lang="es-CO" sz="1050" b="1" i="0" u="none" strike="noStrike" kern="0" cap="none" spc="0" normalizeH="0" baseline="0" noProof="0" dirty="0" smtClean="0">
+              <a:rPr kumimoji="0" lang="es-CO" sz="1050" b="1" i="0" u="none" strike="noStrike" kern="0" cap="none" spc="0" normalizeH="0" baseline="0" noProof="0" dirty="0">
                 <a:ln>
                   <a:noFill/>
                 </a:ln>
@@ -1606,18 +1476,6 @@
               </a:rPr>
               <a:t>Cinética</a:t>
             </a:r>
-            <a:endParaRPr kumimoji="0" lang="es-CO" sz="1050" b="1" i="0" u="none" strike="noStrike" kern="0" cap="none" spc="0" normalizeH="0" baseline="0" noProof="0" dirty="0">
-              <a:ln>
-                <a:noFill/>
-              </a:ln>
-              <a:solidFill>
-                <a:prstClr val="black"/>
-              </a:solidFill>
-              <a:effectLst/>
-              <a:uLnTx/>
-              <a:uFillTx/>
-              <a:latin typeface="Calibri"/>
-            </a:endParaRPr>
           </a:p>
         </p:txBody>
       </p:sp>
@@ -1675,7 +1533,7 @@
               <a:defRPr/>
             </a:pPr>
             <a:r>
-              <a:rPr kumimoji="0" lang="es-CO" sz="1050" b="1" i="0" u="none" strike="noStrike" kern="0" cap="none" spc="0" normalizeH="0" baseline="0" noProof="0" dirty="0" smtClean="0">
+              <a:rPr kumimoji="0" lang="es-CO" sz="1050" b="1" i="0" u="none" strike="noStrike" kern="0" cap="none" spc="0" normalizeH="0" baseline="0" noProof="0" dirty="0">
                 <a:ln>
                   <a:noFill/>
                 </a:ln>
@@ -1689,18 +1547,6 @@
               </a:rPr>
               <a:t>Equilibrio químico</a:t>
             </a:r>
-            <a:endParaRPr kumimoji="0" lang="es-CO" sz="1050" b="1" i="0" u="none" strike="noStrike" kern="0" cap="none" spc="0" normalizeH="0" baseline="0" noProof="0" dirty="0">
-              <a:ln>
-                <a:noFill/>
-              </a:ln>
-              <a:solidFill>
-                <a:prstClr val="black"/>
-              </a:solidFill>
-              <a:effectLst/>
-              <a:uLnTx/>
-              <a:uFillTx/>
-              <a:latin typeface="Calibri"/>
-            </a:endParaRPr>
           </a:p>
         </p:txBody>
       </p:sp>
@@ -1814,7 +1660,7 @@
               <a:defRPr/>
             </a:pPr>
             <a:r>
-              <a:rPr kumimoji="0" lang="es-CO" sz="900" b="0" i="0" u="none" strike="noStrike" kern="0" cap="none" spc="0" normalizeH="0" baseline="0" noProof="0" dirty="0" smtClean="0">
+              <a:rPr kumimoji="0" lang="es-CO" sz="900" b="0" i="0" u="none" strike="noStrike" kern="0" cap="none" spc="0" normalizeH="0" baseline="0" noProof="0" dirty="0">
                 <a:ln>
                   <a:noFill/>
                 </a:ln>
@@ -1828,18 +1674,6 @@
               </a:rPr>
               <a:t>reactantes y productos</a:t>
             </a:r>
-            <a:endParaRPr kumimoji="0" lang="es-CO" sz="900" b="0" i="0" u="none" strike="noStrike" kern="0" cap="none" spc="0" normalizeH="0" baseline="0" noProof="0" dirty="0">
-              <a:ln>
-                <a:noFill/>
-              </a:ln>
-              <a:solidFill>
-                <a:prstClr val="white"/>
-              </a:solidFill>
-              <a:effectLst/>
-              <a:uLnTx/>
-              <a:uFillTx/>
-              <a:latin typeface="Calibri"/>
-            </a:endParaRPr>
           </a:p>
         </p:txBody>
       </p:sp>
@@ -1938,7 +1772,7 @@
               <a:defRPr/>
             </a:pPr>
             <a:r>
-              <a:rPr kumimoji="0" lang="es-CO" sz="900" b="0" i="0" u="none" strike="noStrike" kern="0" cap="none" spc="0" normalizeH="0" baseline="0" noProof="0" dirty="0" smtClean="0">
+              <a:rPr kumimoji="0" lang="es-CO" sz="900" b="0" i="0" u="none" strike="noStrike" kern="0" cap="none" spc="0" normalizeH="0" baseline="0" noProof="0" dirty="0">
                 <a:ln>
                   <a:noFill/>
                 </a:ln>
@@ -1951,17 +1785,6 @@
               </a:rPr>
               <a:t>que relaciona</a:t>
             </a:r>
-            <a:endParaRPr kumimoji="0" lang="es-CO" sz="900" b="0" i="0" u="none" strike="noStrike" kern="0" cap="none" spc="0" normalizeH="0" baseline="0" noProof="0" dirty="0">
-              <a:ln>
-                <a:noFill/>
-              </a:ln>
-              <a:solidFill>
-                <a:prstClr val="black"/>
-              </a:solidFill>
-              <a:effectLst/>
-              <a:uLnTx/>
-              <a:uFillTx/>
-            </a:endParaRPr>
           </a:p>
         </p:txBody>
       </p:sp>
@@ -2059,7 +1882,7 @@
               <a:defRPr/>
             </a:pPr>
             <a:r>
-              <a:rPr kumimoji="0" lang="es-CO" sz="900" b="0" i="0" u="none" strike="noStrike" kern="0" cap="none" spc="0" normalizeH="0" baseline="0" noProof="0" dirty="0" smtClean="0">
+              <a:rPr kumimoji="0" lang="es-CO" sz="900" b="0" i="0" u="none" strike="noStrike" kern="0" cap="none" spc="0" normalizeH="0" baseline="0" noProof="0" dirty="0">
                 <a:ln>
                   <a:noFill/>
                 </a:ln>
@@ -2072,17 +1895,6 @@
               </a:rPr>
               <a:t>describe</a:t>
             </a:r>
-            <a:endParaRPr kumimoji="0" lang="es-CO" sz="900" b="0" i="0" u="none" strike="noStrike" kern="0" cap="none" spc="0" normalizeH="0" baseline="0" noProof="0" dirty="0">
-              <a:ln>
-                <a:noFill/>
-              </a:ln>
-              <a:solidFill>
-                <a:prstClr val="black"/>
-              </a:solidFill>
-              <a:effectLst/>
-              <a:uLnTx/>
-              <a:uFillTx/>
-            </a:endParaRPr>
           </a:p>
         </p:txBody>
       </p:sp>
@@ -2125,7 +1937,7 @@
               <a:defRPr/>
             </a:pPr>
             <a:r>
-              <a:rPr kumimoji="0" lang="es-CO" sz="900" b="0" i="0" u="none" strike="noStrike" kern="0" cap="none" spc="0" normalizeH="0" baseline="0" noProof="0" dirty="0" smtClean="0">
+              <a:rPr kumimoji="0" lang="es-CO" sz="900" b="0" i="0" u="none" strike="noStrike" kern="0" cap="none" spc="0" normalizeH="0" baseline="0" noProof="0" dirty="0">
                 <a:ln>
                   <a:noFill/>
                 </a:ln>
@@ -2138,17 +1950,6 @@
               </a:rPr>
               <a:t>de las</a:t>
             </a:r>
-            <a:endParaRPr kumimoji="0" lang="es-CO" sz="900" b="0" i="0" u="none" strike="noStrike" kern="0" cap="none" spc="0" normalizeH="0" baseline="0" noProof="0" dirty="0">
-              <a:ln>
-                <a:noFill/>
-              </a:ln>
-              <a:solidFill>
-                <a:prstClr val="black"/>
-              </a:solidFill>
-              <a:effectLst/>
-              <a:uLnTx/>
-              <a:uFillTx/>
-            </a:endParaRPr>
           </a:p>
         </p:txBody>
       </p:sp>
@@ -2230,7 +2031,7 @@
               <a:defRPr/>
             </a:pPr>
             <a:r>
-              <a:rPr kumimoji="0" lang="es-CO" sz="900" b="0" i="0" u="none" strike="noStrike" kern="0" cap="none" spc="0" normalizeH="0" baseline="0" noProof="0" dirty="0" smtClean="0">
+              <a:rPr kumimoji="0" lang="es-CO" sz="900" b="0" i="0" u="none" strike="noStrike" kern="0" cap="none" spc="0" normalizeH="0" baseline="0" noProof="0" dirty="0">
                 <a:ln>
                   <a:noFill/>
                 </a:ln>
@@ -2244,18 +2045,6 @@
               </a:rPr>
               <a:t>velocidad</a:t>
             </a:r>
-            <a:endParaRPr kumimoji="0" lang="es-CO" sz="900" b="0" i="0" u="none" strike="noStrike" kern="0" cap="none" spc="0" normalizeH="0" baseline="0" noProof="0" dirty="0">
-              <a:ln>
-                <a:noFill/>
-              </a:ln>
-              <a:solidFill>
-                <a:prstClr val="white"/>
-              </a:solidFill>
-              <a:effectLst/>
-              <a:uLnTx/>
-              <a:uFillTx/>
-              <a:latin typeface="Calibri"/>
-            </a:endParaRPr>
           </a:p>
         </p:txBody>
       </p:sp>
@@ -2386,7 +2175,7 @@
               <a:defRPr/>
             </a:pPr>
             <a:r>
-              <a:rPr kumimoji="0" lang="es-CO" sz="900" b="0" i="0" u="none" strike="noStrike" kern="0" cap="none" spc="0" normalizeH="0" baseline="0" noProof="0" dirty="0" smtClean="0">
+              <a:rPr kumimoji="0" lang="es-CO" sz="900" b="0" i="0" u="none" strike="noStrike" kern="0" cap="none" spc="0" normalizeH="0" baseline="0" noProof="0" dirty="0">
                 <a:ln>
                   <a:noFill/>
                 </a:ln>
@@ -2619,7 +2408,7 @@
               <a:defRPr/>
             </a:pPr>
             <a:r>
-              <a:rPr kumimoji="0" lang="es-CO" sz="900" b="0" i="0" u="none" strike="noStrike" kern="0" cap="none" spc="0" normalizeH="0" baseline="0" noProof="0" dirty="0" smtClean="0">
+              <a:rPr kumimoji="0" lang="es-CO" sz="900" b="0" i="0" u="none" strike="noStrike" kern="0" cap="none" spc="0" normalizeH="0" baseline="0" noProof="0" dirty="0">
                 <a:ln>
                   <a:noFill/>
                 </a:ln>
@@ -2633,18 +2422,6 @@
               </a:rPr>
               <a:t>concentración de reactantes</a:t>
             </a:r>
-            <a:endParaRPr kumimoji="0" lang="es-CO" sz="900" b="0" i="0" u="none" strike="noStrike" kern="0" cap="none" spc="0" normalizeH="0" baseline="0" noProof="0" dirty="0">
-              <a:ln>
-                <a:noFill/>
-              </a:ln>
-              <a:solidFill>
-                <a:prstClr val="black"/>
-              </a:solidFill>
-              <a:effectLst/>
-              <a:uLnTx/>
-              <a:uFillTx/>
-              <a:latin typeface="Calibri"/>
-            </a:endParaRPr>
           </a:p>
           <a:p>
             <a:pPr marL="171450" marR="0" lvl="0" indent="-171450" defTabSz="914400" eaLnBrk="1" fontAlgn="auto" latinLnBrk="0" hangingPunct="1">
@@ -2665,7 +2442,7 @@
               <a:defRPr/>
             </a:pPr>
             <a:r>
-              <a:rPr kumimoji="0" lang="es-CO" sz="900" b="0" i="0" u="none" strike="noStrike" kern="0" cap="none" spc="0" normalizeH="0" baseline="0" noProof="0" dirty="0" smtClean="0">
+              <a:rPr kumimoji="0" lang="es-CO" sz="900" b="0" i="0" u="none" strike="noStrike" kern="0" cap="none" spc="0" normalizeH="0" baseline="0" noProof="0" dirty="0">
                 <a:ln>
                   <a:noFill/>
                 </a:ln>
@@ -2679,18 +2456,6 @@
               </a:rPr>
               <a:t>constante de velocidad de reacción</a:t>
             </a:r>
-            <a:endParaRPr kumimoji="0" lang="es-CO" sz="900" b="0" i="0" u="none" strike="noStrike" kern="0" cap="none" spc="0" normalizeH="0" baseline="0" noProof="0" dirty="0">
-              <a:ln>
-                <a:noFill/>
-              </a:ln>
-              <a:solidFill>
-                <a:prstClr val="black"/>
-              </a:solidFill>
-              <a:effectLst/>
-              <a:uLnTx/>
-              <a:uFillTx/>
-              <a:latin typeface="Calibri"/>
-            </a:endParaRPr>
           </a:p>
         </p:txBody>
       </p:sp>
@@ -2742,7 +2507,7 @@
               <a:defRPr/>
             </a:pPr>
             <a:r>
-              <a:rPr kumimoji="0" lang="es-CO" sz="900" b="0" i="0" u="none" strike="noStrike" kern="0" cap="none" spc="0" normalizeH="0" baseline="0" noProof="0" dirty="0" smtClean="0">
+              <a:rPr kumimoji="0" lang="es-CO" sz="900" b="0" i="0" u="none" strike="noStrike" kern="0" cap="none" spc="0" normalizeH="0" baseline="0" noProof="0" dirty="0">
                 <a:ln>
                   <a:noFill/>
                 </a:ln>
@@ -2756,18 +2521,6 @@
               </a:rPr>
               <a:t>modelo cinético molecular de la materia</a:t>
             </a:r>
-            <a:endParaRPr kumimoji="0" lang="es-CO" sz="900" b="0" i="0" u="none" strike="noStrike" kern="0" cap="none" spc="0" normalizeH="0" baseline="0" noProof="0" dirty="0">
-              <a:ln>
-                <a:noFill/>
-              </a:ln>
-              <a:solidFill>
-                <a:prstClr val="black"/>
-              </a:solidFill>
-              <a:effectLst/>
-              <a:uLnTx/>
-              <a:uFillTx/>
-              <a:latin typeface="Calibri"/>
-            </a:endParaRPr>
           </a:p>
         </p:txBody>
       </p:sp>
@@ -2817,7 +2570,7 @@
               <a:defRPr/>
             </a:pPr>
             <a:r>
-              <a:rPr kumimoji="0" lang="es-CO" sz="900" b="0" i="0" u="none" strike="noStrike" kern="0" cap="none" spc="0" normalizeH="0" baseline="0" noProof="0" dirty="0" smtClean="0">
+              <a:rPr kumimoji="0" lang="es-CO" sz="900" b="0" i="0" u="none" strike="noStrike" kern="0" cap="none" spc="0" normalizeH="0" baseline="0" noProof="0" dirty="0">
                 <a:ln>
                   <a:noFill/>
                 </a:ln>
@@ -2829,35 +2582,8 @@
                 <a:uFillTx/>
                 <a:latin typeface="Calibri"/>
               </a:rPr>
-              <a:t>velocidad de la reacción </a:t>
+              <a:t>velocidad de la reacción directa y la</a:t>
             </a:r>
-            <a:r>
-              <a:rPr kumimoji="0" lang="es-CO" sz="900" b="0" i="0" u="none" strike="noStrike" kern="0" cap="none" spc="0" normalizeH="0" baseline="0" noProof="0" dirty="0" smtClean="0">
-                <a:ln>
-                  <a:noFill/>
-                </a:ln>
-                <a:solidFill>
-                  <a:prstClr val="black"/>
-                </a:solidFill>
-                <a:effectLst/>
-                <a:uLnTx/>
-                <a:uFillTx/>
-                <a:latin typeface="Calibri"/>
-              </a:rPr>
-              <a:t>directa y la</a:t>
-            </a:r>
-            <a:endParaRPr kumimoji="0" lang="es-CO" sz="900" b="0" i="0" u="none" strike="noStrike" kern="0" cap="none" spc="0" normalizeH="0" baseline="0" noProof="0" dirty="0">
-              <a:ln>
-                <a:noFill/>
-              </a:ln>
-              <a:solidFill>
-                <a:prstClr val="black"/>
-              </a:solidFill>
-              <a:effectLst/>
-              <a:uLnTx/>
-              <a:uFillTx/>
-              <a:latin typeface="Calibri"/>
-            </a:endParaRPr>
           </a:p>
           <a:p>
             <a:pPr marR="0" lvl="0" defTabSz="914400" eaLnBrk="1" fontAlgn="auto" latinLnBrk="0" hangingPunct="1">
@@ -2876,7 +2602,7 @@
               <a:defRPr/>
             </a:pPr>
             <a:r>
-              <a:rPr kumimoji="0" lang="es-CO" sz="900" b="0" i="0" u="none" strike="noStrike" kern="0" cap="none" spc="0" normalizeH="0" baseline="0" noProof="0" dirty="0" smtClean="0">
+              <a:rPr kumimoji="0" lang="es-CO" sz="900" b="0" i="0" u="none" strike="noStrike" kern="0" cap="none" spc="0" normalizeH="0" baseline="0" noProof="0" dirty="0">
                 <a:ln>
                   <a:noFill/>
                 </a:ln>
@@ -2890,18 +2616,6 @@
               </a:rPr>
               <a:t>velocidad de la reacción inversa</a:t>
             </a:r>
-            <a:endParaRPr kumimoji="0" lang="es-CO" sz="900" b="0" i="0" u="none" strike="noStrike" kern="0" cap="none" spc="0" normalizeH="0" baseline="0" noProof="0" dirty="0">
-              <a:ln>
-                <a:noFill/>
-              </a:ln>
-              <a:solidFill>
-                <a:prstClr val="black"/>
-              </a:solidFill>
-              <a:effectLst/>
-              <a:uLnTx/>
-              <a:uFillTx/>
-              <a:latin typeface="Calibri"/>
-            </a:endParaRPr>
           </a:p>
         </p:txBody>
       </p:sp>
@@ -2953,7 +2667,7 @@
               <a:defRPr/>
             </a:pPr>
             <a:r>
-              <a:rPr kumimoji="0" lang="es-CO" sz="900" b="0" i="0" u="none" strike="noStrike" kern="0" cap="none" spc="0" normalizeH="0" baseline="0" noProof="0" dirty="0" smtClean="0">
+              <a:rPr kumimoji="0" lang="es-CO" sz="900" b="0" i="0" u="none" strike="noStrike" kern="0" cap="none" spc="0" normalizeH="0" baseline="0" noProof="0" dirty="0">
                 <a:ln>
                   <a:noFill/>
                 </a:ln>
@@ -2967,18 +2681,6 @@
               </a:rPr>
               <a:t>ley de velocidad de reacción</a:t>
             </a:r>
-            <a:endParaRPr kumimoji="0" lang="es-CO" sz="900" b="0" i="0" u="none" strike="noStrike" kern="0" cap="none" spc="0" normalizeH="0" baseline="0" noProof="0" dirty="0">
-              <a:ln>
-                <a:noFill/>
-              </a:ln>
-              <a:solidFill>
-                <a:prstClr val="black"/>
-              </a:solidFill>
-              <a:effectLst/>
-              <a:uLnTx/>
-              <a:uFillTx/>
-              <a:latin typeface="Calibri"/>
-            </a:endParaRPr>
           </a:p>
         </p:txBody>
       </p:sp>
@@ -3196,7 +2898,7 @@
               <a:defRPr/>
             </a:pPr>
             <a:r>
-              <a:rPr kumimoji="0" lang="es-CO" sz="900" b="0" i="0" u="none" strike="noStrike" kern="0" cap="none" spc="0" normalizeH="0" baseline="0" noProof="0" dirty="0" smtClean="0">
+              <a:rPr kumimoji="0" lang="es-CO" sz="900" b="0" i="0" u="none" strike="noStrike" kern="0" cap="none" spc="0" normalizeH="0" baseline="0" noProof="0" dirty="0">
                 <a:ln>
                   <a:noFill/>
                 </a:ln>
@@ -3210,18 +2912,6 @@
               </a:rPr>
               <a:t>heterogéneo</a:t>
             </a:r>
-            <a:endParaRPr kumimoji="0" lang="es-CO" sz="900" b="0" i="0" u="none" strike="noStrike" kern="0" cap="none" spc="0" normalizeH="0" baseline="0" noProof="0" dirty="0">
-              <a:ln>
-                <a:noFill/>
-              </a:ln>
-              <a:solidFill>
-                <a:prstClr val="black"/>
-              </a:solidFill>
-              <a:effectLst/>
-              <a:uLnTx/>
-              <a:uFillTx/>
-              <a:latin typeface="Calibri"/>
-            </a:endParaRPr>
           </a:p>
         </p:txBody>
       </p:sp>
@@ -3273,7 +2963,7 @@
               <a:defRPr/>
             </a:pPr>
             <a:r>
-              <a:rPr kumimoji="0" lang="es-CO" sz="900" b="0" i="0" u="none" strike="noStrike" kern="0" cap="none" spc="0" normalizeH="0" baseline="0" noProof="0" dirty="0" smtClean="0">
+              <a:rPr kumimoji="0" lang="es-CO" sz="900" b="0" i="0" u="none" strike="noStrike" kern="0" cap="none" spc="0" normalizeH="0" baseline="0" noProof="0" dirty="0">
                 <a:ln>
                   <a:noFill/>
                 </a:ln>
@@ -3287,18 +2977,6 @@
               </a:rPr>
               <a:t>temperatura</a:t>
             </a:r>
-            <a:endParaRPr kumimoji="0" lang="es-CO" sz="900" b="0" i="0" u="none" strike="noStrike" kern="0" cap="none" spc="0" normalizeH="0" baseline="0" noProof="0" dirty="0">
-              <a:ln>
-                <a:noFill/>
-              </a:ln>
-              <a:solidFill>
-                <a:prstClr val="black"/>
-              </a:solidFill>
-              <a:effectLst/>
-              <a:uLnTx/>
-              <a:uFillTx/>
-              <a:latin typeface="Calibri"/>
-            </a:endParaRPr>
           </a:p>
         </p:txBody>
       </p:sp>
@@ -3350,7 +3028,7 @@
               <a:defRPr/>
             </a:pPr>
             <a:r>
-              <a:rPr kumimoji="0" lang="es-CO" sz="900" b="0" i="0" u="none" strike="noStrike" kern="0" cap="none" spc="0" normalizeH="0" baseline="0" noProof="0" dirty="0" smtClean="0">
+              <a:rPr kumimoji="0" lang="es-CO" sz="900" b="0" i="0" u="none" strike="noStrike" kern="0" cap="none" spc="0" normalizeH="0" baseline="0" noProof="0" dirty="0">
                 <a:ln>
                   <a:noFill/>
                 </a:ln>
@@ -3365,7 +3043,7 @@
               <a:t>constante de equilibrio</a:t>
             </a:r>
             <a:r>
-              <a:rPr kumimoji="0" lang="es-CO" sz="900" b="0" i="1" u="none" strike="noStrike" kern="0" cap="none" spc="0" normalizeH="0" baseline="0" noProof="0" dirty="0" smtClean="0">
+              <a:rPr kumimoji="0" lang="es-CO" sz="900" b="0" i="1" u="none" strike="noStrike" kern="0" cap="none" spc="0" normalizeH="0" baseline="0" noProof="0" dirty="0">
                 <a:ln>
                   <a:noFill/>
                 </a:ln>
@@ -3379,18 +3057,6 @@
               </a:rPr>
               <a:t> Kc</a:t>
             </a:r>
-            <a:endParaRPr kumimoji="0" lang="es-CO" sz="900" b="0" i="1" u="none" strike="noStrike" kern="0" cap="none" spc="0" normalizeH="0" baseline="0" noProof="0" dirty="0">
-              <a:ln>
-                <a:noFill/>
-              </a:ln>
-              <a:solidFill>
-                <a:prstClr val="black"/>
-              </a:solidFill>
-              <a:effectLst/>
-              <a:uLnTx/>
-              <a:uFillTx/>
-              <a:latin typeface="Calibri"/>
-            </a:endParaRPr>
           </a:p>
         </p:txBody>
       </p:sp>
@@ -3581,7 +3247,7 @@
               <a:defRPr/>
             </a:pPr>
             <a:r>
-              <a:rPr kumimoji="0" lang="es-CO" sz="900" b="0" i="0" u="none" strike="noStrike" kern="0" cap="none" spc="0" normalizeH="0" baseline="0" noProof="0" dirty="0" smtClean="0">
+              <a:rPr kumimoji="0" lang="es-CO" sz="900" b="0" i="0" u="none" strike="noStrike" kern="0" cap="none" spc="0" normalizeH="0" baseline="0" noProof="0" dirty="0">
                 <a:ln>
                   <a:noFill/>
                 </a:ln>
@@ -3595,18 +3261,6 @@
               </a:rPr>
               <a:t>homogéneo</a:t>
             </a:r>
-            <a:endParaRPr kumimoji="0" lang="es-CO" sz="900" b="0" i="0" u="none" strike="noStrike" kern="0" cap="none" spc="0" normalizeH="0" baseline="0" noProof="0" dirty="0">
-              <a:ln>
-                <a:noFill/>
-              </a:ln>
-              <a:solidFill>
-                <a:prstClr val="black"/>
-              </a:solidFill>
-              <a:effectLst/>
-              <a:uLnTx/>
-              <a:uFillTx/>
-              <a:latin typeface="Calibri"/>
-            </a:endParaRPr>
           </a:p>
         </p:txBody>
       </p:sp>
@@ -3619,7 +3273,7 @@
         <p:spPr>
           <a:xfrm>
             <a:off x="3050637" y="108948"/>
-            <a:ext cx="3516312" cy="453142"/>
+            <a:ext cx="3516312" cy="331543"/>
           </a:xfrm>
           <a:prstGeom prst="rect">
             <a:avLst/>
@@ -3654,13 +3308,8 @@
             <a:pPr algn="ctr"/>
             <a:r>
               <a:rPr lang="es-CO" sz="1600" dirty="0"/>
-              <a:t>L</a:t>
+              <a:t>La cinética y el equilibrio</a:t>
             </a:r>
-            <a:r>
-              <a:rPr lang="es-CO" sz="1600" dirty="0" smtClean="0"/>
-              <a:t>a cinética y el equilibrio</a:t>
-            </a:r>
-            <a:endParaRPr lang="es-CO" sz="1600" dirty="0"/>
           </a:p>
         </p:txBody>
       </p:sp>
@@ -3668,15 +3317,15 @@
         <p:nvCxnSpPr>
           <p:cNvPr id="159" name="Conector angular 158"/>
           <p:cNvCxnSpPr>
-            <a:stCxn id="116" idx="0"/>
+            <a:stCxn id="64" idx="0"/>
             <a:endCxn id="158" idx="2"/>
           </p:cNvCxnSpPr>
           <p:nvPr/>
         </p:nvCxnSpPr>
         <p:spPr>
           <a:xfrm rot="5400000" flipH="1" flipV="1">
-            <a:off x="3778552" y="-141621"/>
-            <a:ext cx="326529" cy="1733953"/>
+            <a:off x="3871729" y="-353760"/>
+            <a:ext cx="142812" cy="1731315"/>
           </a:xfrm>
           <a:prstGeom prst="bentConnector3">
             <a:avLst>
@@ -3708,19 +3357,19 @@
         <p:nvCxnSpPr>
           <p:cNvPr id="160" name="Conector angular 159"/>
           <p:cNvCxnSpPr>
-            <a:stCxn id="117" idx="0"/>
+            <a:stCxn id="53" idx="0"/>
             <a:endCxn id="158" idx="2"/>
           </p:cNvCxnSpPr>
           <p:nvPr/>
         </p:nvCxnSpPr>
         <p:spPr>
           <a:xfrm rot="16200000" flipV="1">
-            <a:off x="5539626" y="-168743"/>
-            <a:ext cx="296492" cy="1758157"/>
+            <a:off x="5618657" y="-369372"/>
+            <a:ext cx="138427" cy="1758154"/>
           </a:xfrm>
           <a:prstGeom prst="bentConnector3">
             <a:avLst>
-              <a:gd name="adj1" fmla="val 45396"/>
+              <a:gd name="adj1" fmla="val 50000"/>
             </a:avLst>
           </a:prstGeom>
           <a:ln w="12700">
@@ -3743,6 +3392,172 @@
             <a:schemeClr val="tx1"/>
           </a:fontRef>
         </p:style>
+      </p:cxnSp>
+      <p:sp>
+        <p:nvSpPr>
+          <p:cNvPr id="53" name="Rectángulo 52"/>
+          <p:cNvSpPr/>
+          <p:nvPr/>
+        </p:nvSpPr>
+        <p:spPr>
+          <a:xfrm>
+            <a:off x="6432134" y="578918"/>
+            <a:ext cx="269626" cy="190770"/>
+          </a:xfrm>
+          <a:prstGeom prst="rect">
+            <a:avLst/>
+          </a:prstGeom>
+        </p:spPr>
+        <p:txBody>
+          <a:bodyPr wrap="none">
+            <a:spAutoFit/>
+          </a:bodyPr>
+          <a:lstStyle/>
+          <a:p>
+            <a:pPr marL="0" marR="0" lvl="0" indent="0" defTabSz="914400" eaLnBrk="1" fontAlgn="auto" latinLnBrk="0" hangingPunct="1">
+              <a:lnSpc>
+                <a:spcPct val="100000"/>
+              </a:lnSpc>
+              <a:spcBef>
+                <a:spcPts val="0"/>
+              </a:spcBef>
+              <a:spcAft>
+                <a:spcPts val="0"/>
+              </a:spcAft>
+              <a:buClrTx/>
+              <a:buSzTx/>
+              <a:buFontTx/>
+              <a:buNone/>
+              <a:tabLst/>
+              <a:defRPr/>
+            </a:pPr>
+            <a:r>
+              <a:rPr kumimoji="0" lang="es-CO" sz="900" b="0" i="0" u="none" strike="noStrike" kern="0" cap="none" spc="0" normalizeH="0" baseline="0" noProof="0" dirty="0">
+                <a:ln>
+                  <a:noFill/>
+                </a:ln>
+                <a:solidFill>
+                  <a:prstClr val="black"/>
+                </a:solidFill>
+                <a:effectLst/>
+                <a:uLnTx/>
+                <a:uFillTx/>
+              </a:rPr>
+              <a:t>el</a:t>
+            </a:r>
+          </a:p>
+        </p:txBody>
+      </p:sp>
+      <p:cxnSp>
+        <p:nvCxnSpPr>
+          <p:cNvPr id="60" name="Conector recto 59"/>
+          <p:cNvCxnSpPr>
+            <a:stCxn id="53" idx="2"/>
+            <a:endCxn id="117" idx="0"/>
+          </p:cNvCxnSpPr>
+          <p:nvPr/>
+        </p:nvCxnSpPr>
+        <p:spPr>
+          <a:xfrm>
+            <a:off x="6566947" y="769688"/>
+            <a:ext cx="3" cy="88894"/>
+          </a:xfrm>
+          <a:prstGeom prst="line">
+            <a:avLst/>
+          </a:prstGeom>
+          <a:noFill/>
+          <a:ln w="12700" cap="flat" cmpd="sng" algn="ctr">
+            <a:solidFill>
+              <a:sysClr val="windowText" lastClr="000000"/>
+            </a:solidFill>
+            <a:prstDash val="solid"/>
+            <a:miter lim="800000"/>
+          </a:ln>
+          <a:effectLst/>
+        </p:spPr>
+      </p:cxnSp>
+      <p:sp>
+        <p:nvSpPr>
+          <p:cNvPr id="64" name="Rectángulo 63"/>
+          <p:cNvSpPr/>
+          <p:nvPr/>
+        </p:nvSpPr>
+        <p:spPr>
+          <a:xfrm>
+            <a:off x="2944268" y="583303"/>
+            <a:ext cx="266420" cy="230832"/>
+          </a:xfrm>
+          <a:prstGeom prst="rect">
+            <a:avLst/>
+          </a:prstGeom>
+        </p:spPr>
+        <p:txBody>
+          <a:bodyPr wrap="none">
+            <a:spAutoFit/>
+          </a:bodyPr>
+          <a:lstStyle/>
+          <a:p>
+            <a:pPr marL="0" marR="0" lvl="0" indent="0" defTabSz="914400" eaLnBrk="1" fontAlgn="auto" latinLnBrk="0" hangingPunct="1">
+              <a:lnSpc>
+                <a:spcPct val="100000"/>
+              </a:lnSpc>
+              <a:spcBef>
+                <a:spcPts val="0"/>
+              </a:spcBef>
+              <a:spcAft>
+                <a:spcPts val="0"/>
+              </a:spcAft>
+              <a:buClrTx/>
+              <a:buSzTx/>
+              <a:buFontTx/>
+              <a:buNone/>
+              <a:tabLst/>
+              <a:defRPr/>
+            </a:pPr>
+            <a:r>
+              <a:rPr kumimoji="0" lang="es-CO" sz="900" b="0" i="0" u="none" strike="noStrike" kern="0" cap="none" spc="0" normalizeH="0" baseline="0" noProof="0" dirty="0">
+                <a:ln>
+                  <a:noFill/>
+                </a:ln>
+                <a:solidFill>
+                  <a:prstClr val="black"/>
+                </a:solidFill>
+                <a:effectLst/>
+                <a:uLnTx/>
+                <a:uFillTx/>
+              </a:rPr>
+              <a:t>la</a:t>
+            </a:r>
+          </a:p>
+        </p:txBody>
+      </p:sp>
+      <p:cxnSp>
+        <p:nvCxnSpPr>
+          <p:cNvPr id="67" name="Conector recto 66"/>
+          <p:cNvCxnSpPr>
+            <a:stCxn id="116" idx="0"/>
+            <a:endCxn id="64" idx="2"/>
+          </p:cNvCxnSpPr>
+          <p:nvPr/>
+        </p:nvCxnSpPr>
+        <p:spPr>
+          <a:xfrm flipV="1">
+            <a:off x="3074840" y="814135"/>
+            <a:ext cx="2638" cy="74484"/>
+          </a:xfrm>
+          <a:prstGeom prst="line">
+            <a:avLst/>
+          </a:prstGeom>
+          <a:noFill/>
+          <a:ln w="12700" cap="flat" cmpd="sng" algn="ctr">
+            <a:solidFill>
+              <a:sysClr val="windowText" lastClr="000000"/>
+            </a:solidFill>
+            <a:prstDash val="solid"/>
+            <a:miter lim="800000"/>
+          </a:ln>
+          <a:effectLst/>
+        </p:spPr>
       </p:cxnSp>
     </p:spTree>
     <p:extLst>
@@ -3766,13 +3581,6 @@
       </p:transition>
     </mc:Fallback>
   </mc:AlternateContent>
-  <p:timing>
-    <p:tnLst>
-      <p:par>
-        <p:cTn id="1" dur="indefinite" restart="never" nodeType="tmRoot"/>
-      </p:par>
-    </p:tnLst>
-  </p:timing>
 </p:sld>
 </file>
 
